--- a/10|2-6/2023-10-3/kanji-new.pptx
+++ b/10|2-6/2023-10-3/kanji-new.pptx
@@ -1677,6 +1677,42 @@
         </p:nvSpPr>
         <p:spPr>
           <a:xfrm>
+            <a:off x="0" y="548640"/>
+            <a:ext cx="9144000" cy="1828800"/>
+          </a:xfrm>
+          <a:prstGeom prst="rect">
+            <a:avLst/>
+          </a:prstGeom>
+          <a:noFill/>
+          <a:ln/>
+        </p:spPr>
+        <p:txBody>
+          <a:bodyPr wrap="square" rtlCol="0" anchor="ctr"/>
+          <a:lstStyle/>
+          <a:p>
+            <a:pPr algn="ctr" indent="0" marL="0">
+              <a:buNone/>
+            </a:pPr>
+            <a:r>
+              <a:rPr lang="en-US" sz="4800" dirty="0">
+                <a:solidFill>
+                  <a:srgbClr val="000000"/>
+                </a:solidFill>
+              </a:rPr>
+              <a:t>幅広い</a:t>
+            </a:r>
+            <a:endParaRPr lang="en-US" sz="4800" dirty="0"/>
+          </a:p>
+        </p:txBody>
+      </p:sp>
+      <p:sp>
+        <p:nvSpPr>
+          <p:cNvPr id="3" name="Text 1"/>
+          <p:cNvSpPr/>
+          <p:nvPr/>
+        </p:nvSpPr>
+        <p:spPr>
+          <a:xfrm>
             <a:off x="0" y="914400"/>
             <a:ext cx="9144000" cy="1828800"/>
           </a:xfrm>
@@ -1693,35 +1729,33 @@
             <a:pPr algn="ctr" indent="0" marL="0">
               <a:buNone/>
             </a:pPr>
-            <a:r>
-              <a:rPr lang="en-US" sz="4800" dirty="0">
-                <a:solidFill>
-                  <a:srgbClr val="000000"/>
-                </a:solidFill>
-              </a:rPr>
-              <a:t>幅広い</a:t>
-            </a:r>
-            <a:endParaRPr lang="en-US" sz="4800" dirty="0"/>
-          </a:p>
-          <a:p>
-            <a:pPr algn="ctr" indent="0" marL="0">
-              <a:buNone/>
-            </a:pPr>
-            <a:r>
-              <a:rPr lang="en-US" sz="4800" dirty="0">
-                <a:solidFill>
-                  <a:srgbClr val="000000"/>
+            <a:endParaRPr lang="en-US" sz="3600" dirty="0"/>
+          </a:p>
+          <a:p>
+            <a:pPr algn="ctr" indent="0" marL="0">
+              <a:buNone/>
+            </a:pPr>
+            <a:endParaRPr lang="en-US" sz="3600" dirty="0"/>
+          </a:p>
+          <a:p>
+            <a:pPr algn="ctr" indent="0" marL="0">
+              <a:buNone/>
+            </a:pPr>
+            <a:r>
+              <a:rPr lang="en-US" sz="3600" dirty="0">
+                <a:solidFill>
+                  <a:srgbClr val="404040"/>
                 </a:solidFill>
               </a:rPr>
               <a:t>はばひろい</a:t>
             </a:r>
-            <a:endParaRPr lang="en-US" sz="4800" dirty="0"/>
-          </a:p>
-        </p:txBody>
-      </p:sp>
-      <p:sp>
-        <p:nvSpPr>
-          <p:cNvPr id="3" name="Text 1"/>
+            <a:endParaRPr lang="en-US" sz="3600" dirty="0"/>
+          </a:p>
+        </p:txBody>
+      </p:sp>
+      <p:sp>
+        <p:nvSpPr>
+          <p:cNvPr id="4" name="Text 2"/>
           <p:cNvSpPr/>
           <p:nvPr/>
         </p:nvSpPr>
@@ -1746,7 +1780,7 @@
             <a:r>
               <a:rPr lang="en-US" sz="3600" dirty="0">
                 <a:solidFill>
-                  <a:srgbClr val="000000"/>
+                  <a:srgbClr val="808080"/>
                 </a:solidFill>
               </a:rPr>
               <a:t>extensive, wide, broad...</a:t>
@@ -1757,32 +1791,32 @@
       </p:sp>
       <p:sp>
         <p:nvSpPr>
-          <p:cNvPr id="4" name="Text 2"/>
-          <p:cNvSpPr/>
-          <p:nvPr/>
-        </p:nvSpPr>
-        <p:spPr>
-          <a:xfrm>
-            <a:off x="0" y="4572000"/>
-            <a:ext cx="7315200" cy="1828800"/>
-          </a:xfrm>
-          <a:prstGeom prst="rect">
-            <a:avLst/>
-          </a:prstGeom>
-          <a:noFill/>
-          <a:ln/>
-        </p:spPr>
-        <p:txBody>
-          <a:bodyPr wrap="square" rtlCol="0" anchor="ctr"/>
-          <a:lstStyle/>
-          <a:p>
-            <a:pPr algn="l" indent="0" marL="0">
+          <p:cNvPr id="5" name="Text 3"/>
+          <p:cNvSpPr/>
+          <p:nvPr/>
+        </p:nvSpPr>
+        <p:spPr>
+          <a:xfrm>
+            <a:off x="0" y="3657600"/>
+            <a:ext cx="8686800" cy="1828800"/>
+          </a:xfrm>
+          <a:prstGeom prst="rect">
+            <a:avLst/>
+          </a:prstGeom>
+          <a:noFill/>
+          <a:ln/>
+        </p:spPr>
+        <p:txBody>
+          <a:bodyPr wrap="square" rtlCol="0" anchor="ctr"/>
+          <a:lstStyle/>
+          <a:p>
+            <a:pPr algn="r" indent="0" marL="0">
               <a:buNone/>
             </a:pPr>
             <a:r>
               <a:rPr lang="en-US" sz="2400" dirty="0">
                 <a:solidFill>
-                  <a:srgbClr val="000000"/>
+                  <a:srgbClr val="808080"/>
                 </a:solidFill>
               </a:rPr>
               <a:t>65-66</a:t>
@@ -1824,6 +1858,42 @@
         </p:nvSpPr>
         <p:spPr>
           <a:xfrm>
+            <a:off x="0" y="548640"/>
+            <a:ext cx="9144000" cy="1828800"/>
+          </a:xfrm>
+          <a:prstGeom prst="rect">
+            <a:avLst/>
+          </a:prstGeom>
+          <a:noFill/>
+          <a:ln/>
+        </p:spPr>
+        <p:txBody>
+          <a:bodyPr wrap="square" rtlCol="0" anchor="ctr"/>
+          <a:lstStyle/>
+          <a:p>
+            <a:pPr algn="ctr" indent="0" marL="0">
+              <a:buNone/>
+            </a:pPr>
+            <a:r>
+              <a:rPr lang="en-US" sz="4800" dirty="0">
+                <a:solidFill>
+                  <a:srgbClr val="000000"/>
+                </a:solidFill>
+              </a:rPr>
+              <a:t>害虫</a:t>
+            </a:r>
+            <a:endParaRPr lang="en-US" sz="4800" dirty="0"/>
+          </a:p>
+        </p:txBody>
+      </p:sp>
+      <p:sp>
+        <p:nvSpPr>
+          <p:cNvPr id="3" name="Text 1"/>
+          <p:cNvSpPr/>
+          <p:nvPr/>
+        </p:nvSpPr>
+        <p:spPr>
+          <a:xfrm>
             <a:off x="0" y="914400"/>
             <a:ext cx="9144000" cy="1828800"/>
           </a:xfrm>
@@ -1840,35 +1910,33 @@
             <a:pPr algn="ctr" indent="0" marL="0">
               <a:buNone/>
             </a:pPr>
-            <a:r>
-              <a:rPr lang="en-US" sz="4800" dirty="0">
-                <a:solidFill>
-                  <a:srgbClr val="000000"/>
-                </a:solidFill>
-              </a:rPr>
-              <a:t>害虫</a:t>
-            </a:r>
-            <a:endParaRPr lang="en-US" sz="4800" dirty="0"/>
-          </a:p>
-          <a:p>
-            <a:pPr algn="ctr" indent="0" marL="0">
-              <a:buNone/>
-            </a:pPr>
-            <a:r>
-              <a:rPr lang="en-US" sz="4800" dirty="0">
-                <a:solidFill>
-                  <a:srgbClr val="000000"/>
+            <a:endParaRPr lang="en-US" sz="3600" dirty="0"/>
+          </a:p>
+          <a:p>
+            <a:pPr algn="ctr" indent="0" marL="0">
+              <a:buNone/>
+            </a:pPr>
+            <a:endParaRPr lang="en-US" sz="3600" dirty="0"/>
+          </a:p>
+          <a:p>
+            <a:pPr algn="ctr" indent="0" marL="0">
+              <a:buNone/>
+            </a:pPr>
+            <a:r>
+              <a:rPr lang="en-US" sz="3600" dirty="0">
+                <a:solidFill>
+                  <a:srgbClr val="404040"/>
                 </a:solidFill>
               </a:rPr>
               <a:t>がいちゅう</a:t>
             </a:r>
-            <a:endParaRPr lang="en-US" sz="4800" dirty="0"/>
-          </a:p>
-        </p:txBody>
-      </p:sp>
-      <p:sp>
-        <p:nvSpPr>
-          <p:cNvPr id="3" name="Text 1"/>
+            <a:endParaRPr lang="en-US" sz="3600" dirty="0"/>
+          </a:p>
+        </p:txBody>
+      </p:sp>
+      <p:sp>
+        <p:nvSpPr>
+          <p:cNvPr id="4" name="Text 2"/>
           <p:cNvSpPr/>
           <p:nvPr/>
         </p:nvSpPr>
@@ -1893,7 +1961,7 @@
             <a:r>
               <a:rPr lang="en-US" sz="3600" dirty="0">
                 <a:solidFill>
-                  <a:srgbClr val="000000"/>
+                  <a:srgbClr val="808080"/>
                 </a:solidFill>
               </a:rPr>
               <a:t>harmful insect, noxious insect, vermin, pest...</a:t>
@@ -1904,32 +1972,32 @@
       </p:sp>
       <p:sp>
         <p:nvSpPr>
-          <p:cNvPr id="4" name="Text 2"/>
-          <p:cNvSpPr/>
-          <p:nvPr/>
-        </p:nvSpPr>
-        <p:spPr>
-          <a:xfrm>
-            <a:off x="0" y="4572000"/>
-            <a:ext cx="7315200" cy="1828800"/>
-          </a:xfrm>
-          <a:prstGeom prst="rect">
-            <a:avLst/>
-          </a:prstGeom>
-          <a:noFill/>
-          <a:ln/>
-        </p:spPr>
-        <p:txBody>
-          <a:bodyPr wrap="square" rtlCol="0" anchor="ctr"/>
-          <a:lstStyle/>
-          <a:p>
-            <a:pPr algn="l" indent="0" marL="0">
+          <p:cNvPr id="5" name="Text 3"/>
+          <p:cNvSpPr/>
+          <p:nvPr/>
+        </p:nvSpPr>
+        <p:spPr>
+          <a:xfrm>
+            <a:off x="0" y="3657600"/>
+            <a:ext cx="8686800" cy="1828800"/>
+          </a:xfrm>
+          <a:prstGeom prst="rect">
+            <a:avLst/>
+          </a:prstGeom>
+          <a:noFill/>
+          <a:ln/>
+        </p:spPr>
+        <p:txBody>
+          <a:bodyPr wrap="square" rtlCol="0" anchor="ctr"/>
+          <a:lstStyle/>
+          <a:p>
+            <a:pPr algn="r" indent="0" marL="0">
               <a:buNone/>
             </a:pPr>
             <a:r>
               <a:rPr lang="en-US" sz="2400" dirty="0">
                 <a:solidFill>
-                  <a:srgbClr val="000000"/>
+                  <a:srgbClr val="808080"/>
                 </a:solidFill>
               </a:rPr>
               <a:t>65-66</a:t>
@@ -1971,6 +2039,42 @@
         </p:nvSpPr>
         <p:spPr>
           <a:xfrm>
+            <a:off x="0" y="548640"/>
+            <a:ext cx="9144000" cy="1828800"/>
+          </a:xfrm>
+          <a:prstGeom prst="rect">
+            <a:avLst/>
+          </a:prstGeom>
+          <a:noFill/>
+          <a:ln/>
+        </p:spPr>
+        <p:txBody>
+          <a:bodyPr wrap="square" rtlCol="0" anchor="ctr"/>
+          <a:lstStyle/>
+          <a:p>
+            <a:pPr algn="ctr" indent="0" marL="0">
+              <a:buNone/>
+            </a:pPr>
+            <a:r>
+              <a:rPr lang="en-US" sz="4800" dirty="0">
+                <a:solidFill>
+                  <a:srgbClr val="000000"/>
+                </a:solidFill>
+              </a:rPr>
+              <a:t>増幅</a:t>
+            </a:r>
+            <a:endParaRPr lang="en-US" sz="4800" dirty="0"/>
+          </a:p>
+        </p:txBody>
+      </p:sp>
+      <p:sp>
+        <p:nvSpPr>
+          <p:cNvPr id="3" name="Text 1"/>
+          <p:cNvSpPr/>
+          <p:nvPr/>
+        </p:nvSpPr>
+        <p:spPr>
+          <a:xfrm>
             <a:off x="0" y="914400"/>
             <a:ext cx="9144000" cy="1828800"/>
           </a:xfrm>
@@ -1987,35 +2091,33 @@
             <a:pPr algn="ctr" indent="0" marL="0">
               <a:buNone/>
             </a:pPr>
-            <a:r>
-              <a:rPr lang="en-US" sz="4800" dirty="0">
-                <a:solidFill>
-                  <a:srgbClr val="000000"/>
-                </a:solidFill>
-              </a:rPr>
-              <a:t>増幅</a:t>
-            </a:r>
-            <a:endParaRPr lang="en-US" sz="4800" dirty="0"/>
-          </a:p>
-          <a:p>
-            <a:pPr algn="ctr" indent="0" marL="0">
-              <a:buNone/>
-            </a:pPr>
-            <a:r>
-              <a:rPr lang="en-US" sz="4800" dirty="0">
-                <a:solidFill>
-                  <a:srgbClr val="000000"/>
+            <a:endParaRPr lang="en-US" sz="3600" dirty="0"/>
+          </a:p>
+          <a:p>
+            <a:pPr algn="ctr" indent="0" marL="0">
+              <a:buNone/>
+            </a:pPr>
+            <a:endParaRPr lang="en-US" sz="3600" dirty="0"/>
+          </a:p>
+          <a:p>
+            <a:pPr algn="ctr" indent="0" marL="0">
+              <a:buNone/>
+            </a:pPr>
+            <a:r>
+              <a:rPr lang="en-US" sz="3600" dirty="0">
+                <a:solidFill>
+                  <a:srgbClr val="404040"/>
                 </a:solidFill>
               </a:rPr>
               <a:t>ぞうふく</a:t>
             </a:r>
-            <a:endParaRPr lang="en-US" sz="4800" dirty="0"/>
-          </a:p>
-        </p:txBody>
-      </p:sp>
-      <p:sp>
-        <p:nvSpPr>
-          <p:cNvPr id="3" name="Text 1"/>
+            <a:endParaRPr lang="en-US" sz="3600" dirty="0"/>
+          </a:p>
+        </p:txBody>
+      </p:sp>
+      <p:sp>
+        <p:nvSpPr>
+          <p:cNvPr id="4" name="Text 2"/>
           <p:cNvSpPr/>
           <p:nvPr/>
         </p:nvSpPr>
@@ -2040,7 +2142,7 @@
             <a:r>
               <a:rPr lang="en-US" sz="3600" dirty="0">
                 <a:solidFill>
-                  <a:srgbClr val="000000"/>
+                  <a:srgbClr val="808080"/>
                 </a:solidFill>
               </a:rPr>
               <a:t>amplification (elec.) | magnification, amplification, making larger...</a:t>
@@ -2051,32 +2153,32 @@
       </p:sp>
       <p:sp>
         <p:nvSpPr>
-          <p:cNvPr id="4" name="Text 2"/>
-          <p:cNvSpPr/>
-          <p:nvPr/>
-        </p:nvSpPr>
-        <p:spPr>
-          <a:xfrm>
-            <a:off x="0" y="4572000"/>
-            <a:ext cx="7315200" cy="1828800"/>
-          </a:xfrm>
-          <a:prstGeom prst="rect">
-            <a:avLst/>
-          </a:prstGeom>
-          <a:noFill/>
-          <a:ln/>
-        </p:spPr>
-        <p:txBody>
-          <a:bodyPr wrap="square" rtlCol="0" anchor="ctr"/>
-          <a:lstStyle/>
-          <a:p>
-            <a:pPr algn="l" indent="0" marL="0">
+          <p:cNvPr id="5" name="Text 3"/>
+          <p:cNvSpPr/>
+          <p:nvPr/>
+        </p:nvSpPr>
+        <p:spPr>
+          <a:xfrm>
+            <a:off x="0" y="3657600"/>
+            <a:ext cx="8686800" cy="1828800"/>
+          </a:xfrm>
+          <a:prstGeom prst="rect">
+            <a:avLst/>
+          </a:prstGeom>
+          <a:noFill/>
+          <a:ln/>
+        </p:spPr>
+        <p:txBody>
+          <a:bodyPr wrap="square" rtlCol="0" anchor="ctr"/>
+          <a:lstStyle/>
+          <a:p>
+            <a:pPr algn="r" indent="0" marL="0">
               <a:buNone/>
             </a:pPr>
             <a:r>
               <a:rPr lang="en-US" sz="2400" dirty="0">
                 <a:solidFill>
-                  <a:srgbClr val="000000"/>
+                  <a:srgbClr val="808080"/>
                 </a:solidFill>
               </a:rPr>
               <a:t>65-66</a:t>
@@ -2118,6 +2220,42 @@
         </p:nvSpPr>
         <p:spPr>
           <a:xfrm>
+            <a:off x="0" y="548640"/>
+            <a:ext cx="9144000" cy="1828800"/>
+          </a:xfrm>
+          <a:prstGeom prst="rect">
+            <a:avLst/>
+          </a:prstGeom>
+          <a:noFill/>
+          <a:ln/>
+        </p:spPr>
+        <p:txBody>
+          <a:bodyPr wrap="square" rtlCol="0" anchor="ctr"/>
+          <a:lstStyle/>
+          <a:p>
+            <a:pPr algn="ctr" indent="0" marL="0">
+              <a:buNone/>
+            </a:pPr>
+            <a:r>
+              <a:rPr lang="en-US" sz="4800" dirty="0">
+                <a:solidFill>
+                  <a:srgbClr val="000000"/>
+                </a:solidFill>
+              </a:rPr>
+              <a:t>支える</a:t>
+            </a:r>
+            <a:endParaRPr lang="en-US" sz="4800" dirty="0"/>
+          </a:p>
+        </p:txBody>
+      </p:sp>
+      <p:sp>
+        <p:nvSpPr>
+          <p:cNvPr id="3" name="Text 1"/>
+          <p:cNvSpPr/>
+          <p:nvPr/>
+        </p:nvSpPr>
+        <p:spPr>
+          <a:xfrm>
             <a:off x="0" y="914400"/>
             <a:ext cx="9144000" cy="1828800"/>
           </a:xfrm>
@@ -2134,35 +2272,33 @@
             <a:pPr algn="ctr" indent="0" marL="0">
               <a:buNone/>
             </a:pPr>
-            <a:r>
-              <a:rPr lang="en-US" sz="4800" dirty="0">
-                <a:solidFill>
-                  <a:srgbClr val="000000"/>
-                </a:solidFill>
-              </a:rPr>
-              <a:t>支える</a:t>
-            </a:r>
-            <a:endParaRPr lang="en-US" sz="4800" dirty="0"/>
-          </a:p>
-          <a:p>
-            <a:pPr algn="ctr" indent="0" marL="0">
-              <a:buNone/>
-            </a:pPr>
-            <a:r>
-              <a:rPr lang="en-US" sz="4800" dirty="0">
-                <a:solidFill>
-                  <a:srgbClr val="000000"/>
+            <a:endParaRPr lang="en-US" sz="3600" dirty="0"/>
+          </a:p>
+          <a:p>
+            <a:pPr algn="ctr" indent="0" marL="0">
+              <a:buNone/>
+            </a:pPr>
+            <a:endParaRPr lang="en-US" sz="3600" dirty="0"/>
+          </a:p>
+          <a:p>
+            <a:pPr algn="ctr" indent="0" marL="0">
+              <a:buNone/>
+            </a:pPr>
+            <a:r>
+              <a:rPr lang="en-US" sz="3600" dirty="0">
+                <a:solidFill>
+                  <a:srgbClr val="404040"/>
                 </a:solidFill>
               </a:rPr>
               <a:t>ささえる</a:t>
             </a:r>
-            <a:endParaRPr lang="en-US" sz="4800" dirty="0"/>
-          </a:p>
-        </p:txBody>
-      </p:sp>
-      <p:sp>
-        <p:nvSpPr>
-          <p:cNvPr id="3" name="Text 1"/>
+            <a:endParaRPr lang="en-US" sz="3600" dirty="0"/>
+          </a:p>
+        </p:txBody>
+      </p:sp>
+      <p:sp>
+        <p:nvSpPr>
+          <p:cNvPr id="4" name="Text 2"/>
           <p:cNvSpPr/>
           <p:nvPr/>
         </p:nvSpPr>
@@ -2187,7 +2323,7 @@
             <a:r>
               <a:rPr lang="en-US" sz="3600" dirty="0">
                 <a:solidFill>
-                  <a:srgbClr val="000000"/>
+                  <a:srgbClr val="808080"/>
                 </a:solidFill>
               </a:rPr>
               <a:t>to support, to prop, to sustain, to underlay, to hold up, to defend | to hold at bay, to stem, to check...</a:t>
@@ -2198,32 +2334,32 @@
       </p:sp>
       <p:sp>
         <p:nvSpPr>
-          <p:cNvPr id="4" name="Text 2"/>
-          <p:cNvSpPr/>
-          <p:nvPr/>
-        </p:nvSpPr>
-        <p:spPr>
-          <a:xfrm>
-            <a:off x="0" y="4572000"/>
-            <a:ext cx="7315200" cy="1828800"/>
-          </a:xfrm>
-          <a:prstGeom prst="rect">
-            <a:avLst/>
-          </a:prstGeom>
-          <a:noFill/>
-          <a:ln/>
-        </p:spPr>
-        <p:txBody>
-          <a:bodyPr wrap="square" rtlCol="0" anchor="ctr"/>
-          <a:lstStyle/>
-          <a:p>
-            <a:pPr algn="l" indent="0" marL="0">
+          <p:cNvPr id="5" name="Text 3"/>
+          <p:cNvSpPr/>
+          <p:nvPr/>
+        </p:nvSpPr>
+        <p:spPr>
+          <a:xfrm>
+            <a:off x="0" y="3657600"/>
+            <a:ext cx="8686800" cy="1828800"/>
+          </a:xfrm>
+          <a:prstGeom prst="rect">
+            <a:avLst/>
+          </a:prstGeom>
+          <a:noFill/>
+          <a:ln/>
+        </p:spPr>
+        <p:txBody>
+          <a:bodyPr wrap="square" rtlCol="0" anchor="ctr"/>
+          <a:lstStyle/>
+          <a:p>
+            <a:pPr algn="r" indent="0" marL="0">
               <a:buNone/>
             </a:pPr>
             <a:r>
               <a:rPr lang="en-US" sz="2400" dirty="0">
                 <a:solidFill>
-                  <a:srgbClr val="000000"/>
+                  <a:srgbClr val="808080"/>
                 </a:solidFill>
               </a:rPr>
               <a:t>65-66</a:t>
@@ -2265,6 +2401,42 @@
         </p:nvSpPr>
         <p:spPr>
           <a:xfrm>
+            <a:off x="0" y="548640"/>
+            <a:ext cx="9144000" cy="1828800"/>
+          </a:xfrm>
+          <a:prstGeom prst="rect">
+            <a:avLst/>
+          </a:prstGeom>
+          <a:noFill/>
+          <a:ln/>
+        </p:spPr>
+        <p:txBody>
+          <a:bodyPr wrap="square" rtlCol="0" anchor="ctr"/>
+          <a:lstStyle/>
+          <a:p>
+            <a:pPr algn="ctr" indent="0" marL="0">
+              <a:buNone/>
+            </a:pPr>
+            <a:r>
+              <a:rPr lang="en-US" sz="4800" dirty="0">
+                <a:solidFill>
+                  <a:srgbClr val="000000"/>
+                </a:solidFill>
+              </a:rPr>
+              <a:t>支持</a:t>
+            </a:r>
+            <a:endParaRPr lang="en-US" sz="4800" dirty="0"/>
+          </a:p>
+        </p:txBody>
+      </p:sp>
+      <p:sp>
+        <p:nvSpPr>
+          <p:cNvPr id="3" name="Text 1"/>
+          <p:cNvSpPr/>
+          <p:nvPr/>
+        </p:nvSpPr>
+        <p:spPr>
+          <a:xfrm>
             <a:off x="0" y="914400"/>
             <a:ext cx="9144000" cy="1828800"/>
           </a:xfrm>
@@ -2281,35 +2453,33 @@
             <a:pPr algn="ctr" indent="0" marL="0">
               <a:buNone/>
             </a:pPr>
-            <a:r>
-              <a:rPr lang="en-US" sz="4800" dirty="0">
-                <a:solidFill>
-                  <a:srgbClr val="000000"/>
-                </a:solidFill>
-              </a:rPr>
-              <a:t>支持</a:t>
-            </a:r>
-            <a:endParaRPr lang="en-US" sz="4800" dirty="0"/>
-          </a:p>
-          <a:p>
-            <a:pPr algn="ctr" indent="0" marL="0">
-              <a:buNone/>
-            </a:pPr>
-            <a:r>
-              <a:rPr lang="en-US" sz="4800" dirty="0">
-                <a:solidFill>
-                  <a:srgbClr val="000000"/>
+            <a:endParaRPr lang="en-US" sz="3600" dirty="0"/>
+          </a:p>
+          <a:p>
+            <a:pPr algn="ctr" indent="0" marL="0">
+              <a:buNone/>
+            </a:pPr>
+            <a:endParaRPr lang="en-US" sz="3600" dirty="0"/>
+          </a:p>
+          <a:p>
+            <a:pPr algn="ctr" indent="0" marL="0">
+              <a:buNone/>
+            </a:pPr>
+            <a:r>
+              <a:rPr lang="en-US" sz="3600" dirty="0">
+                <a:solidFill>
+                  <a:srgbClr val="404040"/>
                 </a:solidFill>
               </a:rPr>
               <a:t>しじ</a:t>
             </a:r>
-            <a:endParaRPr lang="en-US" sz="4800" dirty="0"/>
-          </a:p>
-        </p:txBody>
-      </p:sp>
-      <p:sp>
-        <p:nvSpPr>
-          <p:cNvPr id="3" name="Text 1"/>
+            <a:endParaRPr lang="en-US" sz="3600" dirty="0"/>
+          </a:p>
+        </p:txBody>
+      </p:sp>
+      <p:sp>
+        <p:nvSpPr>
+          <p:cNvPr id="4" name="Text 2"/>
           <p:cNvSpPr/>
           <p:nvPr/>
         </p:nvSpPr>
@@ -2334,7 +2504,7 @@
             <a:r>
               <a:rPr lang="en-US" sz="3600" dirty="0">
                 <a:solidFill>
-                  <a:srgbClr val="000000"/>
+                  <a:srgbClr val="808080"/>
                 </a:solidFill>
               </a:rPr>
               <a:t>support, backing, endorsement, approval | propping up, holding up, support...</a:t>
@@ -2345,32 +2515,32 @@
       </p:sp>
       <p:sp>
         <p:nvSpPr>
-          <p:cNvPr id="4" name="Text 2"/>
-          <p:cNvSpPr/>
-          <p:nvPr/>
-        </p:nvSpPr>
-        <p:spPr>
-          <a:xfrm>
-            <a:off x="0" y="4572000"/>
-            <a:ext cx="7315200" cy="1828800"/>
-          </a:xfrm>
-          <a:prstGeom prst="rect">
-            <a:avLst/>
-          </a:prstGeom>
-          <a:noFill/>
-          <a:ln/>
-        </p:spPr>
-        <p:txBody>
-          <a:bodyPr wrap="square" rtlCol="0" anchor="ctr"/>
-          <a:lstStyle/>
-          <a:p>
-            <a:pPr algn="l" indent="0" marL="0">
+          <p:cNvPr id="5" name="Text 3"/>
+          <p:cNvSpPr/>
+          <p:nvPr/>
+        </p:nvSpPr>
+        <p:spPr>
+          <a:xfrm>
+            <a:off x="0" y="3657600"/>
+            <a:ext cx="8686800" cy="1828800"/>
+          </a:xfrm>
+          <a:prstGeom prst="rect">
+            <a:avLst/>
+          </a:prstGeom>
+          <a:noFill/>
+          <a:ln/>
+        </p:spPr>
+        <p:txBody>
+          <a:bodyPr wrap="square" rtlCol="0" anchor="ctr"/>
+          <a:lstStyle/>
+          <a:p>
+            <a:pPr algn="r" indent="0" marL="0">
               <a:buNone/>
             </a:pPr>
             <a:r>
               <a:rPr lang="en-US" sz="2400" dirty="0">
                 <a:solidFill>
-                  <a:srgbClr val="000000"/>
+                  <a:srgbClr val="808080"/>
                 </a:solidFill>
               </a:rPr>
               <a:t>65-66</a:t>
@@ -2412,6 +2582,42 @@
         </p:nvSpPr>
         <p:spPr>
           <a:xfrm>
+            <a:off x="0" y="548640"/>
+            <a:ext cx="9144000" cy="1828800"/>
+          </a:xfrm>
+          <a:prstGeom prst="rect">
+            <a:avLst/>
+          </a:prstGeom>
+          <a:noFill/>
+          <a:ln/>
+        </p:spPr>
+        <p:txBody>
+          <a:bodyPr wrap="square" rtlCol="0" anchor="ctr"/>
+          <a:lstStyle/>
+          <a:p>
+            <a:pPr algn="ctr" indent="0" marL="0">
+              <a:buNone/>
+            </a:pPr>
+            <a:r>
+              <a:rPr lang="en-US" sz="4800" dirty="0">
+                <a:solidFill>
+                  <a:srgbClr val="000000"/>
+                </a:solidFill>
+              </a:rPr>
+              <a:t>反対</a:t>
+            </a:r>
+            <a:endParaRPr lang="en-US" sz="4800" dirty="0"/>
+          </a:p>
+        </p:txBody>
+      </p:sp>
+      <p:sp>
+        <p:nvSpPr>
+          <p:cNvPr id="3" name="Text 1"/>
+          <p:cNvSpPr/>
+          <p:nvPr/>
+        </p:nvSpPr>
+        <p:spPr>
+          <a:xfrm>
             <a:off x="0" y="914400"/>
             <a:ext cx="9144000" cy="1828800"/>
           </a:xfrm>
@@ -2428,35 +2634,33 @@
             <a:pPr algn="ctr" indent="0" marL="0">
               <a:buNone/>
             </a:pPr>
-            <a:r>
-              <a:rPr lang="en-US" sz="4800" dirty="0">
-                <a:solidFill>
-                  <a:srgbClr val="000000"/>
-                </a:solidFill>
-              </a:rPr>
-              <a:t>反対</a:t>
-            </a:r>
-            <a:endParaRPr lang="en-US" sz="4800" dirty="0"/>
-          </a:p>
-          <a:p>
-            <a:pPr algn="ctr" indent="0" marL="0">
-              <a:buNone/>
-            </a:pPr>
-            <a:r>
-              <a:rPr lang="en-US" sz="4800" dirty="0">
-                <a:solidFill>
-                  <a:srgbClr val="000000"/>
+            <a:endParaRPr lang="en-US" sz="3600" dirty="0"/>
+          </a:p>
+          <a:p>
+            <a:pPr algn="ctr" indent="0" marL="0">
+              <a:buNone/>
+            </a:pPr>
+            <a:endParaRPr lang="en-US" sz="3600" dirty="0"/>
+          </a:p>
+          <a:p>
+            <a:pPr algn="ctr" indent="0" marL="0">
+              <a:buNone/>
+            </a:pPr>
+            <a:r>
+              <a:rPr lang="en-US" sz="3600" dirty="0">
+                <a:solidFill>
+                  <a:srgbClr val="404040"/>
                 </a:solidFill>
               </a:rPr>
               <a:t>はんたい</a:t>
             </a:r>
-            <a:endParaRPr lang="en-US" sz="4800" dirty="0"/>
-          </a:p>
-        </p:txBody>
-      </p:sp>
-      <p:sp>
-        <p:nvSpPr>
-          <p:cNvPr id="3" name="Text 1"/>
+            <a:endParaRPr lang="en-US" sz="3600" dirty="0"/>
+          </a:p>
+        </p:txBody>
+      </p:sp>
+      <p:sp>
+        <p:nvSpPr>
+          <p:cNvPr id="4" name="Text 2"/>
           <p:cNvSpPr/>
           <p:nvPr/>
         </p:nvSpPr>
@@ -2481,7 +2685,7 @@
             <a:r>
               <a:rPr lang="en-US" sz="3600" dirty="0">
                 <a:solidFill>
-                  <a:srgbClr val="000000"/>
+                  <a:srgbClr val="808080"/>
                 </a:solidFill>
               </a:rPr>
               <a:t>opposition, resistance, antagonism, hostility, objection, dissent | reverse, opposite, inverse, contrary...</a:t>
@@ -2492,32 +2696,32 @@
       </p:sp>
       <p:sp>
         <p:nvSpPr>
-          <p:cNvPr id="4" name="Text 2"/>
-          <p:cNvSpPr/>
-          <p:nvPr/>
-        </p:nvSpPr>
-        <p:spPr>
-          <a:xfrm>
-            <a:off x="0" y="4572000"/>
-            <a:ext cx="7315200" cy="1828800"/>
-          </a:xfrm>
-          <a:prstGeom prst="rect">
-            <a:avLst/>
-          </a:prstGeom>
-          <a:noFill/>
-          <a:ln/>
-        </p:spPr>
-        <p:txBody>
-          <a:bodyPr wrap="square" rtlCol="0" anchor="ctr"/>
-          <a:lstStyle/>
-          <a:p>
-            <a:pPr algn="l" indent="0" marL="0">
+          <p:cNvPr id="5" name="Text 3"/>
+          <p:cNvSpPr/>
+          <p:nvPr/>
+        </p:nvSpPr>
+        <p:spPr>
+          <a:xfrm>
+            <a:off x="0" y="3657600"/>
+            <a:ext cx="8686800" cy="1828800"/>
+          </a:xfrm>
+          <a:prstGeom prst="rect">
+            <a:avLst/>
+          </a:prstGeom>
+          <a:noFill/>
+          <a:ln/>
+        </p:spPr>
+        <p:txBody>
+          <a:bodyPr wrap="square" rtlCol="0" anchor="ctr"/>
+          <a:lstStyle/>
+          <a:p>
+            <a:pPr algn="r" indent="0" marL="0">
               <a:buNone/>
             </a:pPr>
             <a:r>
               <a:rPr lang="en-US" sz="2400" dirty="0">
                 <a:solidFill>
-                  <a:srgbClr val="000000"/>
+                  <a:srgbClr val="808080"/>
                 </a:solidFill>
               </a:rPr>
               <a:t>65-66</a:t>
@@ -2559,6 +2763,42 @@
         </p:nvSpPr>
         <p:spPr>
           <a:xfrm>
+            <a:off x="0" y="548640"/>
+            <a:ext cx="9144000" cy="1828800"/>
+          </a:xfrm>
+          <a:prstGeom prst="rect">
+            <a:avLst/>
+          </a:prstGeom>
+          <a:noFill/>
+          <a:ln/>
+        </p:spPr>
+        <p:txBody>
+          <a:bodyPr wrap="square" rtlCol="0" anchor="ctr"/>
+          <a:lstStyle/>
+          <a:p>
+            <a:pPr algn="ctr" indent="0" marL="0">
+              <a:buNone/>
+            </a:pPr>
+            <a:r>
+              <a:rPr lang="en-US" sz="4800" dirty="0">
+                <a:solidFill>
+                  <a:srgbClr val="000000"/>
+                </a:solidFill>
+              </a:rPr>
+              <a:t>論文</a:t>
+            </a:r>
+            <a:endParaRPr lang="en-US" sz="4800" dirty="0"/>
+          </a:p>
+        </p:txBody>
+      </p:sp>
+      <p:sp>
+        <p:nvSpPr>
+          <p:cNvPr id="3" name="Text 1"/>
+          <p:cNvSpPr/>
+          <p:nvPr/>
+        </p:nvSpPr>
+        <p:spPr>
+          <a:xfrm>
             <a:off x="0" y="914400"/>
             <a:ext cx="9144000" cy="1828800"/>
           </a:xfrm>
@@ -2575,35 +2815,33 @@
             <a:pPr algn="ctr" indent="0" marL="0">
               <a:buNone/>
             </a:pPr>
-            <a:r>
-              <a:rPr lang="en-US" sz="4800" dirty="0">
-                <a:solidFill>
-                  <a:srgbClr val="000000"/>
-                </a:solidFill>
-              </a:rPr>
-              <a:t>論文</a:t>
-            </a:r>
-            <a:endParaRPr lang="en-US" sz="4800" dirty="0"/>
-          </a:p>
-          <a:p>
-            <a:pPr algn="ctr" indent="0" marL="0">
-              <a:buNone/>
-            </a:pPr>
-            <a:r>
-              <a:rPr lang="en-US" sz="4800" dirty="0">
-                <a:solidFill>
-                  <a:srgbClr val="000000"/>
+            <a:endParaRPr lang="en-US" sz="3600" dirty="0"/>
+          </a:p>
+          <a:p>
+            <a:pPr algn="ctr" indent="0" marL="0">
+              <a:buNone/>
+            </a:pPr>
+            <a:endParaRPr lang="en-US" sz="3600" dirty="0"/>
+          </a:p>
+          <a:p>
+            <a:pPr algn="ctr" indent="0" marL="0">
+              <a:buNone/>
+            </a:pPr>
+            <a:r>
+              <a:rPr lang="en-US" sz="3600" dirty="0">
+                <a:solidFill>
+                  <a:srgbClr val="404040"/>
                 </a:solidFill>
               </a:rPr>
               <a:t>ろんぶん</a:t>
             </a:r>
-            <a:endParaRPr lang="en-US" sz="4800" dirty="0"/>
-          </a:p>
-        </p:txBody>
-      </p:sp>
-      <p:sp>
-        <p:nvSpPr>
-          <p:cNvPr id="3" name="Text 1"/>
+            <a:endParaRPr lang="en-US" sz="3600" dirty="0"/>
+          </a:p>
+        </p:txBody>
+      </p:sp>
+      <p:sp>
+        <p:nvSpPr>
+          <p:cNvPr id="4" name="Text 2"/>
           <p:cNvSpPr/>
           <p:nvPr/>
         </p:nvSpPr>
@@ -2628,7 +2866,7 @@
             <a:r>
               <a:rPr lang="en-US" sz="3600" dirty="0">
                 <a:solidFill>
-                  <a:srgbClr val="000000"/>
+                  <a:srgbClr val="808080"/>
                 </a:solidFill>
               </a:rPr>
               <a:t>thesis, essay, treatise, paper, article...</a:t>
@@ -2639,32 +2877,32 @@
       </p:sp>
       <p:sp>
         <p:nvSpPr>
-          <p:cNvPr id="4" name="Text 2"/>
-          <p:cNvSpPr/>
-          <p:nvPr/>
-        </p:nvSpPr>
-        <p:spPr>
-          <a:xfrm>
-            <a:off x="0" y="4572000"/>
-            <a:ext cx="7315200" cy="1828800"/>
-          </a:xfrm>
-          <a:prstGeom prst="rect">
-            <a:avLst/>
-          </a:prstGeom>
-          <a:noFill/>
-          <a:ln/>
-        </p:spPr>
-        <p:txBody>
-          <a:bodyPr wrap="square" rtlCol="0" anchor="ctr"/>
-          <a:lstStyle/>
-          <a:p>
-            <a:pPr algn="l" indent="0" marL="0">
+          <p:cNvPr id="5" name="Text 3"/>
+          <p:cNvSpPr/>
+          <p:nvPr/>
+        </p:nvSpPr>
+        <p:spPr>
+          <a:xfrm>
+            <a:off x="0" y="3657600"/>
+            <a:ext cx="8686800" cy="1828800"/>
+          </a:xfrm>
+          <a:prstGeom prst="rect">
+            <a:avLst/>
+          </a:prstGeom>
+          <a:noFill/>
+          <a:ln/>
+        </p:spPr>
+        <p:txBody>
+          <a:bodyPr wrap="square" rtlCol="0" anchor="ctr"/>
+          <a:lstStyle/>
+          <a:p>
+            <a:pPr algn="r" indent="0" marL="0">
               <a:buNone/>
             </a:pPr>
             <a:r>
               <a:rPr lang="en-US" sz="2400" dirty="0">
                 <a:solidFill>
-                  <a:srgbClr val="000000"/>
+                  <a:srgbClr val="808080"/>
                 </a:solidFill>
               </a:rPr>
               <a:t>65-66</a:t>
@@ -2706,6 +2944,42 @@
         </p:nvSpPr>
         <p:spPr>
           <a:xfrm>
+            <a:off x="0" y="548640"/>
+            <a:ext cx="9144000" cy="1828800"/>
+          </a:xfrm>
+          <a:prstGeom prst="rect">
+            <a:avLst/>
+          </a:prstGeom>
+          <a:noFill/>
+          <a:ln/>
+        </p:spPr>
+        <p:txBody>
+          <a:bodyPr wrap="square" rtlCol="0" anchor="ctr"/>
+          <a:lstStyle/>
+          <a:p>
+            <a:pPr algn="ctr" indent="0" marL="0">
+              <a:buNone/>
+            </a:pPr>
+            <a:r>
+              <a:rPr lang="en-US" sz="4800" dirty="0">
+                <a:solidFill>
+                  <a:srgbClr val="000000"/>
+                </a:solidFill>
+              </a:rPr>
+              <a:t>否定</a:t>
+            </a:r>
+            <a:endParaRPr lang="en-US" sz="4800" dirty="0"/>
+          </a:p>
+        </p:txBody>
+      </p:sp>
+      <p:sp>
+        <p:nvSpPr>
+          <p:cNvPr id="3" name="Text 1"/>
+          <p:cNvSpPr/>
+          <p:nvPr/>
+        </p:nvSpPr>
+        <p:spPr>
+          <a:xfrm>
             <a:off x="0" y="914400"/>
             <a:ext cx="9144000" cy="1828800"/>
           </a:xfrm>
@@ -2722,35 +2996,33 @@
             <a:pPr algn="ctr" indent="0" marL="0">
               <a:buNone/>
             </a:pPr>
-            <a:r>
-              <a:rPr lang="en-US" sz="4800" dirty="0">
-                <a:solidFill>
-                  <a:srgbClr val="000000"/>
-                </a:solidFill>
-              </a:rPr>
-              <a:t>否定</a:t>
-            </a:r>
-            <a:endParaRPr lang="en-US" sz="4800" dirty="0"/>
-          </a:p>
-          <a:p>
-            <a:pPr algn="ctr" indent="0" marL="0">
-              <a:buNone/>
-            </a:pPr>
-            <a:r>
-              <a:rPr lang="en-US" sz="4800" dirty="0">
-                <a:solidFill>
-                  <a:srgbClr val="000000"/>
+            <a:endParaRPr lang="en-US" sz="3600" dirty="0"/>
+          </a:p>
+          <a:p>
+            <a:pPr algn="ctr" indent="0" marL="0">
+              <a:buNone/>
+            </a:pPr>
+            <a:endParaRPr lang="en-US" sz="3600" dirty="0"/>
+          </a:p>
+          <a:p>
+            <a:pPr algn="ctr" indent="0" marL="0">
+              <a:buNone/>
+            </a:pPr>
+            <a:r>
+              <a:rPr lang="en-US" sz="3600" dirty="0">
+                <a:solidFill>
+                  <a:srgbClr val="404040"/>
                 </a:solidFill>
               </a:rPr>
               <a:t>ひてい</a:t>
             </a:r>
-            <a:endParaRPr lang="en-US" sz="4800" dirty="0"/>
-          </a:p>
-        </p:txBody>
-      </p:sp>
-      <p:sp>
-        <p:nvSpPr>
-          <p:cNvPr id="3" name="Text 1"/>
+            <a:endParaRPr lang="en-US" sz="3600" dirty="0"/>
+          </a:p>
+        </p:txBody>
+      </p:sp>
+      <p:sp>
+        <p:nvSpPr>
+          <p:cNvPr id="4" name="Text 2"/>
           <p:cNvSpPr/>
           <p:nvPr/>
         </p:nvSpPr>
@@ -2775,7 +3047,7 @@
             <a:r>
               <a:rPr lang="en-US" sz="3600" dirty="0">
                 <a:solidFill>
-                  <a:srgbClr val="000000"/>
+                  <a:srgbClr val="808080"/>
                 </a:solidFill>
               </a:rPr>
               <a:t>denial, negation, repudiation, disavowal | negation | NOT operation...</a:t>
@@ -2786,32 +3058,32 @@
       </p:sp>
       <p:sp>
         <p:nvSpPr>
-          <p:cNvPr id="4" name="Text 2"/>
-          <p:cNvSpPr/>
-          <p:nvPr/>
-        </p:nvSpPr>
-        <p:spPr>
-          <a:xfrm>
-            <a:off x="0" y="4572000"/>
-            <a:ext cx="7315200" cy="1828800"/>
-          </a:xfrm>
-          <a:prstGeom prst="rect">
-            <a:avLst/>
-          </a:prstGeom>
-          <a:noFill/>
-          <a:ln/>
-        </p:spPr>
-        <p:txBody>
-          <a:bodyPr wrap="square" rtlCol="0" anchor="ctr"/>
-          <a:lstStyle/>
-          <a:p>
-            <a:pPr algn="l" indent="0" marL="0">
+          <p:cNvPr id="5" name="Text 3"/>
+          <p:cNvSpPr/>
+          <p:nvPr/>
+        </p:nvSpPr>
+        <p:spPr>
+          <a:xfrm>
+            <a:off x="0" y="3657600"/>
+            <a:ext cx="8686800" cy="1828800"/>
+          </a:xfrm>
+          <a:prstGeom prst="rect">
+            <a:avLst/>
+          </a:prstGeom>
+          <a:noFill/>
+          <a:ln/>
+        </p:spPr>
+        <p:txBody>
+          <a:bodyPr wrap="square" rtlCol="0" anchor="ctr"/>
+          <a:lstStyle/>
+          <a:p>
+            <a:pPr algn="r" indent="0" marL="0">
               <a:buNone/>
             </a:pPr>
             <a:r>
               <a:rPr lang="en-US" sz="2400" dirty="0">
                 <a:solidFill>
-                  <a:srgbClr val="000000"/>
+                  <a:srgbClr val="808080"/>
                 </a:solidFill>
               </a:rPr>
               <a:t>65-66</a:t>
@@ -2853,6 +3125,42 @@
         </p:nvSpPr>
         <p:spPr>
           <a:xfrm>
+            <a:off x="0" y="548640"/>
+            <a:ext cx="9144000" cy="1828800"/>
+          </a:xfrm>
+          <a:prstGeom prst="rect">
+            <a:avLst/>
+          </a:prstGeom>
+          <a:noFill/>
+          <a:ln/>
+        </p:spPr>
+        <p:txBody>
+          <a:bodyPr wrap="square" rtlCol="0" anchor="ctr"/>
+          <a:lstStyle/>
+          <a:p>
+            <a:pPr algn="ctr" indent="0" marL="0">
+              <a:buNone/>
+            </a:pPr>
+            <a:r>
+              <a:rPr lang="en-US" sz="4800" dirty="0">
+                <a:solidFill>
+                  <a:srgbClr val="000000"/>
+                </a:solidFill>
+              </a:rPr>
+              <a:t>野菜</a:t>
+            </a:r>
+            <a:endParaRPr lang="en-US" sz="4800" dirty="0"/>
+          </a:p>
+        </p:txBody>
+      </p:sp>
+      <p:sp>
+        <p:nvSpPr>
+          <p:cNvPr id="3" name="Text 1"/>
+          <p:cNvSpPr/>
+          <p:nvPr/>
+        </p:nvSpPr>
+        <p:spPr>
+          <a:xfrm>
             <a:off x="0" y="914400"/>
             <a:ext cx="9144000" cy="1828800"/>
           </a:xfrm>
@@ -2869,35 +3177,33 @@
             <a:pPr algn="ctr" indent="0" marL="0">
               <a:buNone/>
             </a:pPr>
-            <a:r>
-              <a:rPr lang="en-US" sz="4800" dirty="0">
-                <a:solidFill>
-                  <a:srgbClr val="000000"/>
-                </a:solidFill>
-              </a:rPr>
-              <a:t>野菜</a:t>
-            </a:r>
-            <a:endParaRPr lang="en-US" sz="4800" dirty="0"/>
-          </a:p>
-          <a:p>
-            <a:pPr algn="ctr" indent="0" marL="0">
-              <a:buNone/>
-            </a:pPr>
-            <a:r>
-              <a:rPr lang="en-US" sz="4800" dirty="0">
-                <a:solidFill>
-                  <a:srgbClr val="000000"/>
+            <a:endParaRPr lang="en-US" sz="3600" dirty="0"/>
+          </a:p>
+          <a:p>
+            <a:pPr algn="ctr" indent="0" marL="0">
+              <a:buNone/>
+            </a:pPr>
+            <a:endParaRPr lang="en-US" sz="3600" dirty="0"/>
+          </a:p>
+          <a:p>
+            <a:pPr algn="ctr" indent="0" marL="0">
+              <a:buNone/>
+            </a:pPr>
+            <a:r>
+              <a:rPr lang="en-US" sz="3600" dirty="0">
+                <a:solidFill>
+                  <a:srgbClr val="404040"/>
                 </a:solidFill>
               </a:rPr>
               <a:t>やさい</a:t>
             </a:r>
-            <a:endParaRPr lang="en-US" sz="4800" dirty="0"/>
-          </a:p>
-        </p:txBody>
-      </p:sp>
-      <p:sp>
-        <p:nvSpPr>
-          <p:cNvPr id="3" name="Text 1"/>
+            <a:endParaRPr lang="en-US" sz="3600" dirty="0"/>
+          </a:p>
+        </p:txBody>
+      </p:sp>
+      <p:sp>
+        <p:nvSpPr>
+          <p:cNvPr id="4" name="Text 2"/>
           <p:cNvSpPr/>
           <p:nvPr/>
         </p:nvSpPr>
@@ -2922,7 +3228,7 @@
             <a:r>
               <a:rPr lang="en-US" sz="3600" dirty="0">
                 <a:solidFill>
-                  <a:srgbClr val="000000"/>
+                  <a:srgbClr val="808080"/>
                 </a:solidFill>
               </a:rPr>
               <a:t>vegetable...</a:t>
@@ -2933,32 +3239,32 @@
       </p:sp>
       <p:sp>
         <p:nvSpPr>
-          <p:cNvPr id="4" name="Text 2"/>
-          <p:cNvSpPr/>
-          <p:nvPr/>
-        </p:nvSpPr>
-        <p:spPr>
-          <a:xfrm>
-            <a:off x="0" y="4572000"/>
-            <a:ext cx="7315200" cy="1828800"/>
-          </a:xfrm>
-          <a:prstGeom prst="rect">
-            <a:avLst/>
-          </a:prstGeom>
-          <a:noFill/>
-          <a:ln/>
-        </p:spPr>
-        <p:txBody>
-          <a:bodyPr wrap="square" rtlCol="0" anchor="ctr"/>
-          <a:lstStyle/>
-          <a:p>
-            <a:pPr algn="l" indent="0" marL="0">
+          <p:cNvPr id="5" name="Text 3"/>
+          <p:cNvSpPr/>
+          <p:nvPr/>
+        </p:nvSpPr>
+        <p:spPr>
+          <a:xfrm>
+            <a:off x="0" y="3657600"/>
+            <a:ext cx="8686800" cy="1828800"/>
+          </a:xfrm>
+          <a:prstGeom prst="rect">
+            <a:avLst/>
+          </a:prstGeom>
+          <a:noFill/>
+          <a:ln/>
+        </p:spPr>
+        <p:txBody>
+          <a:bodyPr wrap="square" rtlCol="0" anchor="ctr"/>
+          <a:lstStyle/>
+          <a:p>
+            <a:pPr algn="r" indent="0" marL="0">
               <a:buNone/>
             </a:pPr>
             <a:r>
               <a:rPr lang="en-US" sz="2400" dirty="0">
                 <a:solidFill>
-                  <a:srgbClr val="000000"/>
+                  <a:srgbClr val="808080"/>
                 </a:solidFill>
               </a:rPr>
               <a:t>65-66</a:t>
@@ -3000,6 +3306,42 @@
         </p:nvSpPr>
         <p:spPr>
           <a:xfrm>
+            <a:off x="0" y="548640"/>
+            <a:ext cx="9144000" cy="1828800"/>
+          </a:xfrm>
+          <a:prstGeom prst="rect">
+            <a:avLst/>
+          </a:prstGeom>
+          <a:noFill/>
+          <a:ln/>
+        </p:spPr>
+        <p:txBody>
+          <a:bodyPr wrap="square" rtlCol="0" anchor="ctr"/>
+          <a:lstStyle/>
+          <a:p>
+            <a:pPr algn="ctr" indent="0" marL="0">
+              <a:buNone/>
+            </a:pPr>
+            <a:r>
+              <a:rPr lang="en-US" sz="4800" dirty="0">
+                <a:solidFill>
+                  <a:srgbClr val="000000"/>
+                </a:solidFill>
+              </a:rPr>
+              <a:t>穀物</a:t>
+            </a:r>
+            <a:endParaRPr lang="en-US" sz="4800" dirty="0"/>
+          </a:p>
+        </p:txBody>
+      </p:sp>
+      <p:sp>
+        <p:nvSpPr>
+          <p:cNvPr id="3" name="Text 1"/>
+          <p:cNvSpPr/>
+          <p:nvPr/>
+        </p:nvSpPr>
+        <p:spPr>
+          <a:xfrm>
             <a:off x="0" y="914400"/>
             <a:ext cx="9144000" cy="1828800"/>
           </a:xfrm>
@@ -3016,35 +3358,33 @@
             <a:pPr algn="ctr" indent="0" marL="0">
               <a:buNone/>
             </a:pPr>
-            <a:r>
-              <a:rPr lang="en-US" sz="4800" dirty="0">
-                <a:solidFill>
-                  <a:srgbClr val="000000"/>
-                </a:solidFill>
-              </a:rPr>
-              <a:t>穀物</a:t>
-            </a:r>
-            <a:endParaRPr lang="en-US" sz="4800" dirty="0"/>
-          </a:p>
-          <a:p>
-            <a:pPr algn="ctr" indent="0" marL="0">
-              <a:buNone/>
-            </a:pPr>
-            <a:r>
-              <a:rPr lang="en-US" sz="4800" dirty="0">
-                <a:solidFill>
-                  <a:srgbClr val="000000"/>
+            <a:endParaRPr lang="en-US" sz="3600" dirty="0"/>
+          </a:p>
+          <a:p>
+            <a:pPr algn="ctr" indent="0" marL="0">
+              <a:buNone/>
+            </a:pPr>
+            <a:endParaRPr lang="en-US" sz="3600" dirty="0"/>
+          </a:p>
+          <a:p>
+            <a:pPr algn="ctr" indent="0" marL="0">
+              <a:buNone/>
+            </a:pPr>
+            <a:r>
+              <a:rPr lang="en-US" sz="3600" dirty="0">
+                <a:solidFill>
+                  <a:srgbClr val="404040"/>
                 </a:solidFill>
               </a:rPr>
               <a:t>こくもつ</a:t>
             </a:r>
-            <a:endParaRPr lang="en-US" sz="4800" dirty="0"/>
-          </a:p>
-        </p:txBody>
-      </p:sp>
-      <p:sp>
-        <p:nvSpPr>
-          <p:cNvPr id="3" name="Text 1"/>
+            <a:endParaRPr lang="en-US" sz="3600" dirty="0"/>
+          </a:p>
+        </p:txBody>
+      </p:sp>
+      <p:sp>
+        <p:nvSpPr>
+          <p:cNvPr id="4" name="Text 2"/>
           <p:cNvSpPr/>
           <p:nvPr/>
         </p:nvSpPr>
@@ -3069,7 +3409,7 @@
             <a:r>
               <a:rPr lang="en-US" sz="3600" dirty="0">
                 <a:solidFill>
-                  <a:srgbClr val="000000"/>
+                  <a:srgbClr val="808080"/>
                 </a:solidFill>
               </a:rPr>
               <a:t>grain, cereal, corn...</a:t>
@@ -3080,32 +3420,32 @@
       </p:sp>
       <p:sp>
         <p:nvSpPr>
-          <p:cNvPr id="4" name="Text 2"/>
-          <p:cNvSpPr/>
-          <p:nvPr/>
-        </p:nvSpPr>
-        <p:spPr>
-          <a:xfrm>
-            <a:off x="0" y="4572000"/>
-            <a:ext cx="7315200" cy="1828800"/>
-          </a:xfrm>
-          <a:prstGeom prst="rect">
-            <a:avLst/>
-          </a:prstGeom>
-          <a:noFill/>
-          <a:ln/>
-        </p:spPr>
-        <p:txBody>
-          <a:bodyPr wrap="square" rtlCol="0" anchor="ctr"/>
-          <a:lstStyle/>
-          <a:p>
-            <a:pPr algn="l" indent="0" marL="0">
+          <p:cNvPr id="5" name="Text 3"/>
+          <p:cNvSpPr/>
+          <p:nvPr/>
+        </p:nvSpPr>
+        <p:spPr>
+          <a:xfrm>
+            <a:off x="0" y="3657600"/>
+            <a:ext cx="8686800" cy="1828800"/>
+          </a:xfrm>
+          <a:prstGeom prst="rect">
+            <a:avLst/>
+          </a:prstGeom>
+          <a:noFill/>
+          <a:ln/>
+        </p:spPr>
+        <p:txBody>
+          <a:bodyPr wrap="square" rtlCol="0" anchor="ctr"/>
+          <a:lstStyle/>
+          <a:p>
+            <a:pPr algn="r" indent="0" marL="0">
               <a:buNone/>
             </a:pPr>
             <a:r>
               <a:rPr lang="en-US" sz="2400" dirty="0">
                 <a:solidFill>
-                  <a:srgbClr val="000000"/>
+                  <a:srgbClr val="808080"/>
                 </a:solidFill>
               </a:rPr>
               <a:t>65-66</a:t>
